--- a/BOOK’S TREKKER (1).pptx
+++ b/BOOK’S TREKKER (1).pptx
@@ -359,7 +359,7 @@
           <a:p>
             <a:fld id="{6EE7A52F-9D89-7442-A8E9-48D1527B5F6B}" type="datetimeFigureOut">
               <a:rPr lang="en-US" smtClean="0"/>
-              <a:t>10/27/2021</a:t>
+              <a:t>11/26/2021</a:t>
             </a:fld>
             <a:endParaRPr lang="en-US" dirty="0"/>
           </a:p>
@@ -2021,7 +2021,7 @@
             <a:fld id="{6FCA8E82-58CD-E045-8B98-B7A85B79B752}" type="datetime4">
               <a:rPr lang="en-US" smtClean="0"/>
               <a:pPr/>
-              <a:t>October 27, 2021</a:t>
+              <a:t>November 26, 2021</a:t>
             </a:fld>
             <a:endParaRPr lang="en-US" dirty="0">
               <a:latin typeface="+mn-lt"/>
@@ -3151,7 +3151,7 @@
             <a:fld id="{6FCA8E82-58CD-E045-8B98-B7A85B79B752}" type="datetime4">
               <a:rPr lang="en-US" smtClean="0"/>
               <a:pPr/>
-              <a:t>October 27, 2021</a:t>
+              <a:t>November 26, 2021</a:t>
             </a:fld>
             <a:endParaRPr lang="en-US" dirty="0">
               <a:latin typeface="+mn-lt"/>
@@ -4280,7 +4280,7 @@
             <a:fld id="{6FCA8E82-58CD-E045-8B98-B7A85B79B752}" type="datetime4">
               <a:rPr lang="en-US" smtClean="0"/>
               <a:pPr/>
-              <a:t>October 27, 2021</a:t>
+              <a:t>November 26, 2021</a:t>
             </a:fld>
             <a:endParaRPr lang="en-US" dirty="0">
               <a:latin typeface="+mn-lt"/>
@@ -6578,7 +6578,7 @@
             <a:fld id="{6FCA8E82-58CD-E045-8B98-B7A85B79B752}" type="datetime4">
               <a:rPr lang="en-US" smtClean="0"/>
               <a:pPr/>
-              <a:t>October 27, 2021</a:t>
+              <a:t>November 26, 2021</a:t>
             </a:fld>
             <a:endParaRPr lang="en-US" dirty="0">
               <a:latin typeface="+mn-lt"/>
@@ -7213,7 +7213,7 @@
             <a:fld id="{6FCA8E82-58CD-E045-8B98-B7A85B79B752}" type="datetime4">
               <a:rPr lang="en-US" smtClean="0"/>
               <a:pPr/>
-              <a:t>October 27, 2021</a:t>
+              <a:t>November 26, 2021</a:t>
             </a:fld>
             <a:endParaRPr lang="en-US" dirty="0">
               <a:latin typeface="+mn-lt"/>
@@ -7983,7 +7983,7 @@
             <a:fld id="{6FCA8E82-58CD-E045-8B98-B7A85B79B752}" type="datetime4">
               <a:rPr lang="en-US" smtClean="0"/>
               <a:pPr/>
-              <a:t>October 27, 2021</a:t>
+              <a:t>November 26, 2021</a:t>
             </a:fld>
             <a:endParaRPr lang="en-US" dirty="0">
               <a:latin typeface="+mn-lt"/>
@@ -8247,7 +8247,7 @@
             <a:fld id="{6FCA8E82-58CD-E045-8B98-B7A85B79B752}" type="datetime4">
               <a:rPr lang="en-US" smtClean="0"/>
               <a:pPr/>
-              <a:t>October 27, 2021</a:t>
+              <a:t>November 26, 2021</a:t>
             </a:fld>
             <a:endParaRPr lang="en-US" dirty="0">
               <a:latin typeface="+mn-lt"/>
@@ -11170,7 +11170,7 @@
             <a:fld id="{6FCA8E82-58CD-E045-8B98-B7A85B79B752}" type="datetime4">
               <a:rPr lang="en-US" smtClean="0"/>
               <a:pPr/>
-              <a:t>October 27, 2021</a:t>
+              <a:t>November 26, 2021</a:t>
             </a:fld>
             <a:endParaRPr lang="en-US" dirty="0">
               <a:latin typeface="+mn-lt"/>
@@ -12345,7 +12345,7 @@
             <a:fld id="{6FCA8E82-58CD-E045-8B98-B7A85B79B752}" type="datetime4">
               <a:rPr lang="en-US" smtClean="0"/>
               <a:pPr/>
-              <a:t>October 27, 2021</a:t>
+              <a:t>November 26, 2021</a:t>
             </a:fld>
             <a:endParaRPr lang="en-US" dirty="0">
               <a:latin typeface="+mn-lt"/>
@@ -12661,7 +12661,7 @@
             <a:fld id="{6FCA8E82-58CD-E045-8B98-B7A85B79B752}" type="datetime4">
               <a:rPr lang="en-US" smtClean="0"/>
               <a:pPr/>
-              <a:t>October 27, 2021</a:t>
+              <a:t>November 26, 2021</a:t>
             </a:fld>
             <a:endParaRPr lang="en-US" dirty="0">
               <a:latin typeface="+mn-lt"/>
@@ -13416,15 +13416,22 @@
               <a:t>Sharmin</a:t>
             </a:r>
             <a:r>
-              <a:rPr lang="en-US" dirty="0">
+              <a:rPr lang="en-US">
                 <a:solidFill>
                   <a:schemeClr val="tx2">
                     <a:lumMod val="50000"/>
                   </a:schemeClr>
                 </a:solidFill>
               </a:rPr>
-              <a:t> Sharika                   191-15-12855</a:t>
+              <a:t>                                 191-15-12855</a:t>
             </a:r>
+            <a:endParaRPr lang="en-US" dirty="0">
+              <a:solidFill>
+                <a:schemeClr val="tx2">
+                  <a:lumMod val="50000"/>
+                </a:schemeClr>
+              </a:solidFill>
+            </a:endParaRPr>
           </a:p>
           <a:p>
             <a:r>
@@ -15685,21 +15692,21 @@
 </file>
 
 <file path=customXml/item1.xml><?xml version="1.0" encoding="utf-8"?>
+<?mso-contentType ?>
+<FormTemplates xmlns="http://schemas.microsoft.com/sharepoint/v3/contenttype/forms">
+  <Display>DocumentLibraryForm</Display>
+  <Edit>DocumentLibraryForm</Edit>
+  <New>DocumentLibraryForm</New>
+</FormTemplates>
+</file>
+
+<file path=customXml/item2.xml><?xml version="1.0" encoding="utf-8"?>
 <p:properties xmlns:p="http://schemas.microsoft.com/office/2006/metadata/properties" xmlns:xsi="http://www.w3.org/2001/XMLSchema-instance" xmlns:pc="http://schemas.microsoft.com/office/infopath/2007/PartnerControls">
   <documentManagement>
     <Status xmlns="71af3243-3dd4-4a8d-8c0d-dd76da1f02a5">Not started</Status>
     <MediaServiceKeyPoints xmlns="71af3243-3dd4-4a8d-8c0d-dd76da1f02a5" xsi:nil="true"/>
   </documentManagement>
 </p:properties>
-</file>
-
-<file path=customXml/item2.xml><?xml version="1.0" encoding="utf-8"?>
-<?mso-contentType ?>
-<FormTemplates xmlns="http://schemas.microsoft.com/sharepoint/v3/contenttype/forms">
-  <Display>DocumentLibraryForm</Display>
-  <Edit>DocumentLibraryForm</Edit>
-  <New>DocumentLibraryForm</New>
-</FormTemplates>
 </file>
 
 <file path=customXml/item3.xml><?xml version="1.0" encoding="utf-8"?>
@@ -15924,19 +15931,19 @@
 </file>
 
 <file path=customXml/itemProps1.xml><?xml version="1.0" encoding="utf-8"?>
+<ds:datastoreItem xmlns:ds="http://schemas.openxmlformats.org/officeDocument/2006/customXml" ds:itemID="{1D20B6E4-879E-4E6C-BDE7-261540CD3765}">
+  <ds:schemaRefs>
+    <ds:schemaRef ds:uri="http://schemas.microsoft.com/sharepoint/v3/contenttype/forms"/>
+  </ds:schemaRefs>
+</ds:datastoreItem>
+</file>
+
+<file path=customXml/itemProps2.xml><?xml version="1.0" encoding="utf-8"?>
 <ds:datastoreItem xmlns:ds="http://schemas.openxmlformats.org/officeDocument/2006/customXml" ds:itemID="{09EC1AB0-9704-404D-B6D3-819D938AC55B}">
   <ds:schemaRefs>
     <ds:schemaRef ds:uri="http://schemas.microsoft.com/office/2006/metadata/properties"/>
     <ds:schemaRef ds:uri="http://schemas.microsoft.com/office/infopath/2007/PartnerControls"/>
     <ds:schemaRef ds:uri="71af3243-3dd4-4a8d-8c0d-dd76da1f02a5"/>
-  </ds:schemaRefs>
-</ds:datastoreItem>
-</file>
-
-<file path=customXml/itemProps2.xml><?xml version="1.0" encoding="utf-8"?>
-<ds:datastoreItem xmlns:ds="http://schemas.openxmlformats.org/officeDocument/2006/customXml" ds:itemID="{1D20B6E4-879E-4E6C-BDE7-261540CD3765}">
-  <ds:schemaRefs>
-    <ds:schemaRef ds:uri="http://schemas.microsoft.com/sharepoint/v3/contenttype/forms"/>
   </ds:schemaRefs>
 </ds:datastoreItem>
 </file>
